--- a/for_presentation_project/Blind Typing.pptx
+++ b/for_presentation_project/Blind Typing.pptx
@@ -5,10 +5,10 @@
     <p:sldMasterId id="2147483666" r:id="rId4"/>
   </p:sldMasterIdLst>
   <p:notesMasterIdLst>
-    <p:notesMasterId r:id="rId18"/>
+    <p:notesMasterId r:id="rId17"/>
   </p:notesMasterIdLst>
   <p:handoutMasterIdLst>
-    <p:handoutMasterId r:id="rId19"/>
+    <p:handoutMasterId r:id="rId18"/>
   </p:handoutMasterIdLst>
   <p:sldIdLst>
     <p:sldId id="256" r:id="rId5"/>
@@ -18,12 +18,11 @@
     <p:sldId id="261" r:id="rId9"/>
     <p:sldId id="266" r:id="rId10"/>
     <p:sldId id="264" r:id="rId11"/>
-    <p:sldId id="296" r:id="rId12"/>
-    <p:sldId id="297" r:id="rId13"/>
-    <p:sldId id="294" r:id="rId14"/>
-    <p:sldId id="270" r:id="rId15"/>
-    <p:sldId id="275" r:id="rId16"/>
-    <p:sldId id="276" r:id="rId17"/>
+    <p:sldId id="297" r:id="rId12"/>
+    <p:sldId id="294" r:id="rId13"/>
+    <p:sldId id="270" r:id="rId14"/>
+    <p:sldId id="275" r:id="rId15"/>
+    <p:sldId id="276" r:id="rId16"/>
   </p:sldIdLst>
   <p:sldSz cx="12192000" cy="6858000"/>
   <p:notesSz cx="6858000" cy="9144000"/>
@@ -252,7 +251,7 @@
             <a:pPr rtl="0"/>
             <a:fld id="{C3308102-B78F-4A24-87CA-5FA0033B6135}" type="datetime1">
               <a:rPr lang="ru-RU" smtClean="0"/>
-              <a:t>20.11.2023</a:t>
+              <a:t>26.11.2023</a:t>
             </a:fld>
             <a:endParaRPr lang="ru-RU" dirty="0"/>
           </a:p>
@@ -433,7 +432,7 @@
             <a:fld id="{7B728365-CBBA-496F-854A-132A4D03B664}" type="datetime1">
               <a:rPr lang="ru-RU" smtClean="0"/>
               <a:pPr/>
-              <a:t>20.11.2023</a:t>
+              <a:t>26.11.2023</a:t>
             </a:fld>
             <a:endParaRPr lang="ru-RU" dirty="0"/>
           </a:p>
@@ -854,7 +853,7 @@
             <a:pPr rtl="0"/>
             <a:fld id="{D4B9A9E5-4F7F-4A7D-9DE1-899232329269}" type="slidenum">
               <a:rPr lang="ru-RU" smtClean="0"/>
-              <a:t>13</a:t>
+              <a:t>12</a:t>
             </a:fld>
             <a:endParaRPr lang="ru-RU"/>
           </a:p>
@@ -1449,7 +1448,7 @@
             <a:pPr rtl="0"/>
             <a:fld id="{D4B9A9E5-4F7F-4A7D-9DE1-899232329269}" type="slidenum">
               <a:rPr lang="ru-RU" smtClean="0"/>
-              <a:t>11</a:t>
+              <a:t>10</a:t>
             </a:fld>
             <a:endParaRPr lang="ru-RU"/>
           </a:p>
@@ -1534,7 +1533,7 @@
             <a:pPr rtl="0"/>
             <a:fld id="{D4B9A9E5-4F7F-4A7D-9DE1-899232329269}" type="slidenum">
               <a:rPr lang="ru-RU" smtClean="0"/>
-              <a:t>12</a:t>
+              <a:t>11</a:t>
             </a:fld>
             <a:endParaRPr lang="ru-RU"/>
           </a:p>
@@ -16622,7 +16621,7 @@
                 <a:latin typeface="Arial" panose="020B0604020202020204" pitchFamily="34" charset="0"/>
                 <a:cs typeface="Arial" panose="020B0604020202020204" pitchFamily="34" charset="0"/>
               </a:rPr>
-              <a:t>Консультант: Логинова Юлия Вячеславовна – преподаватель программирования. </a:t>
+              <a:t>Консультант: Логинова Юлия Вячеславовна – педагог дополнительного образования. </a:t>
             </a:r>
           </a:p>
         </p:txBody>
@@ -16659,10 +16658,10 @@
       </p:grpSpPr>
       <p:sp>
         <p:nvSpPr>
-          <p:cNvPr id="7" name="Заголовок 6">
-            <a:extLst>
-              <a:ext uri="{FF2B5EF4-FFF2-40B4-BE49-F238E27FC236}">
-                <a16:creationId xmlns:a16="http://schemas.microsoft.com/office/drawing/2014/main" id="{7CA3060D-29C1-448F-95A2-8AEFB51F7986}"/>
+          <p:cNvPr id="2" name="Заголовок 1">
+            <a:extLst>
+              <a:ext uri="{FF2B5EF4-FFF2-40B4-BE49-F238E27FC236}">
+                <a16:creationId xmlns:a16="http://schemas.microsoft.com/office/drawing/2014/main" id="{39605AF1-623C-4E09-AB5D-8DD0571489F6}"/>
               </a:ext>
             </a:extLst>
           </p:cNvPr>
@@ -16673,20 +16672,117 @@
             <p:ph type="title"/>
           </p:nvPr>
         </p:nvSpPr>
-        <p:spPr>
-          <a:xfrm>
-            <a:off x="1333500" y="2442945"/>
-            <a:ext cx="3464132" cy="1325563"/>
-          </a:xfrm>
-        </p:spPr>
-        <p:txBody>
-          <a:bodyPr/>
+        <p:spPr/>
+        <p:txBody>
+          <a:bodyPr rtlCol="0"/>
           <a:lstStyle/>
           <a:p>
+            <a:pPr rtl="0"/>
             <a:r>
               <a:rPr lang="ru-RU" dirty="0"/>
-              <a:t>Демонстрация проекта</a:t>
-            </a:r>
+              <a:t>Планы на будущее</a:t>
+            </a:r>
+          </a:p>
+        </p:txBody>
+      </p:sp>
+      <p:sp>
+        <p:nvSpPr>
+          <p:cNvPr id="17" name="Текст 16">
+            <a:extLst>
+              <a:ext uri="{FF2B5EF4-FFF2-40B4-BE49-F238E27FC236}">
+                <a16:creationId xmlns:a16="http://schemas.microsoft.com/office/drawing/2014/main" id="{24158E79-DA49-4521-BEC6-A7BA93C41F4C}"/>
+              </a:ext>
+            </a:extLst>
+          </p:cNvPr>
+          <p:cNvSpPr>
+            <a:spLocks noGrp="1"/>
+          </p:cNvSpPr>
+          <p:nvPr>
+            <p:ph type="body" sz="quarter" idx="15"/>
+          </p:nvPr>
+        </p:nvSpPr>
+        <p:spPr>
+          <a:xfrm>
+            <a:off x="5921828" y="2798939"/>
+            <a:ext cx="5431971" cy="3269352"/>
+          </a:xfrm>
+        </p:spPr>
+        <p:txBody>
+          <a:bodyPr rtlCol="0">
+            <a:normAutofit/>
+          </a:bodyPr>
+          <a:lstStyle/>
+          <a:p>
+            <a:pPr marL="285750" indent="-285750" rtl="0">
+              <a:buFont typeface="Arial" panose="020B0604020202020204" pitchFamily="34" charset="0"/>
+              <a:buChar char="•"/>
+            </a:pPr>
+            <a:r>
+              <a:rPr lang="ru-RU" sz="2000" dirty="0"/>
+              <a:t>Сделать уроки по </a:t>
+            </a:r>
+            <a:r>
+              <a:rPr lang="ru-RU" sz="2000" dirty="0" err="1"/>
+              <a:t>слепопечатанию</a:t>
+            </a:r>
+            <a:r>
+              <a:rPr lang="en-US" sz="2000" dirty="0"/>
+              <a:t>;</a:t>
+            </a:r>
+          </a:p>
+          <a:p>
+            <a:pPr marL="285750" indent="-285750">
+              <a:buFont typeface="Arial" panose="020B0604020202020204" pitchFamily="34" charset="0"/>
+              <a:buChar char="•"/>
+            </a:pPr>
+            <a:r>
+              <a:rPr lang="ru-RU" sz="2000" dirty="0"/>
+              <a:t>Перевести базу данных на сервер </a:t>
+            </a:r>
+            <a:r>
+              <a:rPr lang="en-US" sz="2000" dirty="0" err="1"/>
+              <a:t>heroky</a:t>
+            </a:r>
+            <a:r>
+              <a:rPr lang="en-US" sz="2000" dirty="0"/>
+              <a:t>;</a:t>
+            </a:r>
+          </a:p>
+          <a:p>
+            <a:pPr marL="285750" indent="-285750">
+              <a:buFont typeface="Arial" panose="020B0604020202020204" pitchFamily="34" charset="0"/>
+              <a:buChar char="•"/>
+            </a:pPr>
+            <a:r>
+              <a:rPr lang="ru-RU" sz="2000" dirty="0"/>
+              <a:t>Сделать поддержку языков</a:t>
+            </a:r>
+            <a:r>
+              <a:rPr lang="en-US" sz="2000" dirty="0"/>
+              <a:t>;</a:t>
+            </a:r>
+            <a:endParaRPr lang="ru-RU" sz="2000" dirty="0"/>
+          </a:p>
+          <a:p>
+            <a:pPr marL="285750" indent="-285750">
+              <a:buFont typeface="Arial" panose="020B0604020202020204" pitchFamily="34" charset="0"/>
+              <a:buChar char="•"/>
+            </a:pPr>
+            <a:r>
+              <a:rPr lang="ru-RU" sz="2000" dirty="0"/>
+              <a:t>Сделать взаимодействие приложение с почтой пользователя</a:t>
+            </a:r>
+            <a:r>
+              <a:rPr lang="en-US" sz="2000" dirty="0"/>
+              <a:t>.</a:t>
+            </a:r>
+          </a:p>
+          <a:p>
+            <a:endParaRPr lang="ru-RU" dirty="0"/>
+          </a:p>
+          <a:p>
+            <a:pPr rtl="0"/>
+            <a:endParaRPr lang="ru-RU" dirty="0"/>
           </a:p>
         </p:txBody>
       </p:sp>
@@ -16695,7 +16791,7 @@
           <p:cNvPr id="4" name="Дата 3">
             <a:extLst>
               <a:ext uri="{FF2B5EF4-FFF2-40B4-BE49-F238E27FC236}">
-                <a16:creationId xmlns:a16="http://schemas.microsoft.com/office/drawing/2014/main" id="{B741A826-2748-47DF-860A-D985B5D29A23}"/>
+                <a16:creationId xmlns:a16="http://schemas.microsoft.com/office/drawing/2014/main" id="{7FDC0E0A-2715-4BF9-8659-0ED8629BA242}"/>
               </a:ext>
             </a:extLst>
           </p:cNvPr>
@@ -16708,12 +16804,12 @@
         </p:nvSpPr>
         <p:spPr/>
         <p:txBody>
-          <a:bodyPr/>
+          <a:bodyPr rtlCol="0"/>
           <a:lstStyle/>
           <a:p>
             <a:pPr rtl="0"/>
             <a:r>
-              <a:rPr lang="ru-RU" noProof="0" dirty="0"/>
+              <a:rPr lang="ru-RU" dirty="0"/>
               <a:t>2023</a:t>
             </a:r>
           </a:p>
@@ -16724,7 +16820,7 @@
           <p:cNvPr id="5" name="Нижний колонтитул 4">
             <a:extLst>
               <a:ext uri="{FF2B5EF4-FFF2-40B4-BE49-F238E27FC236}">
-                <a16:creationId xmlns:a16="http://schemas.microsoft.com/office/drawing/2014/main" id="{1EDD1BB9-1018-4C92-BBEA-75CF2AC164BE}"/>
+                <a16:creationId xmlns:a16="http://schemas.microsoft.com/office/drawing/2014/main" id="{20E75224-81EB-4CDA-BBBE-44B4B2F3C039}"/>
               </a:ext>
             </a:extLst>
           </p:cNvPr>
@@ -16737,18 +16833,18 @@
         </p:nvSpPr>
         <p:spPr/>
         <p:txBody>
-          <a:bodyPr/>
+          <a:bodyPr rtlCol="0"/>
           <a:lstStyle/>
           <a:p>
             <a:r>
               <a:rPr lang="en-US" sz="1200" dirty="0"/>
-              <a:t>Blind typing</a:t>
+              <a:t>Blind Typing</a:t>
             </a:r>
             <a:endParaRPr lang="ru-RU" sz="1200" dirty="0"/>
           </a:p>
           <a:p>
             <a:pPr rtl="0"/>
-            <a:endParaRPr lang="ru-RU" noProof="0" dirty="0"/>
+            <a:endParaRPr lang="ru-RU" dirty="0"/>
           </a:p>
         </p:txBody>
       </p:sp>
@@ -16757,7 +16853,7 @@
           <p:cNvPr id="6" name="Номер слайда 5">
             <a:extLst>
               <a:ext uri="{FF2B5EF4-FFF2-40B4-BE49-F238E27FC236}">
-                <a16:creationId xmlns:a16="http://schemas.microsoft.com/office/drawing/2014/main" id="{72FC67B9-D6EE-4949-A33D-5E745FB996AD}"/>
+                <a16:creationId xmlns:a16="http://schemas.microsoft.com/office/drawing/2014/main" id="{BA32F697-D1D4-4B0A-B960-D1869BF8607A}"/>
               </a:ext>
             </a:extLst>
           </p:cNvPr>
@@ -16770,22 +16866,23 @@
         </p:nvSpPr>
         <p:spPr/>
         <p:txBody>
-          <a:bodyPr/>
+          <a:bodyPr rtlCol="0"/>
           <a:lstStyle/>
           <a:p>
             <a:pPr rtl="0"/>
             <a:fld id="{B5CEABB6-07DC-46E8-9B57-56EC44A396E5}" type="slidenum">
-              <a:rPr lang="ru-RU" noProof="0" smtClean="0"/>
+              <a:rPr lang="ru-RU" smtClean="0"/>
+              <a:pPr rtl="0"/>
               <a:t>10</a:t>
             </a:fld>
-            <a:endParaRPr lang="ru-RU" noProof="0"/>
+            <a:endParaRPr lang="ru-RU"/>
           </a:p>
         </p:txBody>
       </p:sp>
     </p:spTree>
     <p:extLst>
       <p:ext uri="{BB962C8B-B14F-4D97-AF65-F5344CB8AC3E}">
-        <p14:creationId xmlns:p14="http://schemas.microsoft.com/office/powerpoint/2010/main" val="2347108774"/>
+        <p14:creationId xmlns:p14="http://schemas.microsoft.com/office/powerpoint/2010/main" val="1472106130"/>
       </p:ext>
     </p:extLst>
   </p:cSld>
@@ -16817,7 +16914,7 @@
           <p:cNvPr id="2" name="Заголовок 1">
             <a:extLst>
               <a:ext uri="{FF2B5EF4-FFF2-40B4-BE49-F238E27FC236}">
-                <a16:creationId xmlns:a16="http://schemas.microsoft.com/office/drawing/2014/main" id="{39605AF1-623C-4E09-AB5D-8DD0571489F6}"/>
+                <a16:creationId xmlns:a16="http://schemas.microsoft.com/office/drawing/2014/main" id="{38FFA191-5CCC-43CB-BD83-4F80ED362608}"/>
               </a:ext>
             </a:extLst>
           </p:cNvPr>
@@ -16828,39 +16925,10 @@
             <p:ph type="title"/>
           </p:nvPr>
         </p:nvSpPr>
-        <p:spPr/>
-        <p:txBody>
-          <a:bodyPr rtlCol="0"/>
-          <a:lstStyle/>
-          <a:p>
-            <a:pPr rtl="0"/>
-            <a:r>
-              <a:rPr lang="ru-RU" dirty="0"/>
-              <a:t>Планы на будущее</a:t>
-            </a:r>
-          </a:p>
-        </p:txBody>
-      </p:sp>
-      <p:sp>
-        <p:nvSpPr>
-          <p:cNvPr id="17" name="Текст 16">
-            <a:extLst>
-              <a:ext uri="{FF2B5EF4-FFF2-40B4-BE49-F238E27FC236}">
-                <a16:creationId xmlns:a16="http://schemas.microsoft.com/office/drawing/2014/main" id="{24158E79-DA49-4521-BEC6-A7BA93C41F4C}"/>
-              </a:ext>
-            </a:extLst>
-          </p:cNvPr>
-          <p:cNvSpPr>
-            <a:spLocks noGrp="1"/>
-          </p:cNvSpPr>
-          <p:nvPr>
-            <p:ph type="body" sz="quarter" idx="15"/>
-          </p:nvPr>
-        </p:nvSpPr>
-        <p:spPr>
-          <a:xfrm>
-            <a:off x="5921828" y="2798939"/>
-            <a:ext cx="5431971" cy="3269352"/>
+        <p:spPr>
+          <a:xfrm>
+            <a:off x="5476874" y="360217"/>
+            <a:ext cx="4987926" cy="835461"/>
           </a:xfrm>
         </p:spPr>
         <p:txBody>
@@ -16869,76 +16937,79 @@
           </a:bodyPr>
           <a:lstStyle/>
           <a:p>
-            <a:pPr marL="285750" indent="-285750" rtl="0">
-              <a:buFont typeface="Arial" panose="020B0604020202020204" pitchFamily="34" charset="0"/>
-              <a:buChar char="•"/>
-            </a:pPr>
-            <a:r>
-              <a:rPr lang="ru-RU" sz="2000" dirty="0"/>
-              <a:t>Сделать уроки по </a:t>
-            </a:r>
-            <a:r>
-              <a:rPr lang="ru-RU" sz="2000" dirty="0" err="1"/>
-              <a:t>слепопечатанию</a:t>
-            </a:r>
-            <a:r>
-              <a:rPr lang="en-US" sz="2000" dirty="0"/>
-              <a:t>;</a:t>
-            </a:r>
-          </a:p>
-          <a:p>
-            <a:pPr marL="285750" indent="-285750">
-              <a:buFont typeface="Arial" panose="020B0604020202020204" pitchFamily="34" charset="0"/>
-              <a:buChar char="•"/>
-            </a:pPr>
-            <a:r>
-              <a:rPr lang="ru-RU" sz="2000" dirty="0"/>
-              <a:t>Перевести базу данных на сервер </a:t>
-            </a:r>
-            <a:r>
-              <a:rPr lang="en-US" sz="2000" dirty="0" err="1"/>
-              <a:t>heroky</a:t>
-            </a:r>
-            <a:r>
-              <a:rPr lang="en-US" sz="2000" dirty="0"/>
-              <a:t>;</a:t>
-            </a:r>
-          </a:p>
-          <a:p>
-            <a:pPr marL="285750" indent="-285750">
-              <a:buFont typeface="Arial" panose="020B0604020202020204" pitchFamily="34" charset="0"/>
-              <a:buChar char="•"/>
-            </a:pPr>
-            <a:r>
-              <a:rPr lang="ru-RU" sz="2000" dirty="0"/>
-              <a:t>Сделать поддержку языков</a:t>
-            </a:r>
-            <a:r>
-              <a:rPr lang="en-US" sz="2000" dirty="0"/>
-              <a:t>;</a:t>
-            </a:r>
-            <a:endParaRPr lang="ru-RU" sz="2000" dirty="0"/>
-          </a:p>
-          <a:p>
-            <a:pPr marL="285750" indent="-285750">
-              <a:buFont typeface="Arial" panose="020B0604020202020204" pitchFamily="34" charset="0"/>
-              <a:buChar char="•"/>
-            </a:pPr>
-            <a:r>
-              <a:rPr lang="ru-RU" sz="2000" dirty="0"/>
-              <a:t>Сделать взаимодействие приложение с почтой пользователя</a:t>
-            </a:r>
-            <a:r>
-              <a:rPr lang="en-US" sz="2000" dirty="0"/>
-              <a:t>.</a:t>
-            </a:r>
-          </a:p>
-          <a:p>
-            <a:endParaRPr lang="ru-RU" dirty="0"/>
-          </a:p>
-          <a:p>
             <a:pPr rtl="0"/>
-            <a:endParaRPr lang="ru-RU" dirty="0"/>
+            <a:r>
+              <a:rPr lang="ru-RU" sz="4000" dirty="0"/>
+              <a:t>Итоги</a:t>
+            </a:r>
+          </a:p>
+        </p:txBody>
+      </p:sp>
+      <p:sp>
+        <p:nvSpPr>
+          <p:cNvPr id="3" name="Объект 2">
+            <a:extLst>
+              <a:ext uri="{FF2B5EF4-FFF2-40B4-BE49-F238E27FC236}">
+                <a16:creationId xmlns:a16="http://schemas.microsoft.com/office/drawing/2014/main" id="{E14BBEAF-B516-45F4-9EF6-A9F65111580F}"/>
+              </a:ext>
+            </a:extLst>
+          </p:cNvPr>
+          <p:cNvSpPr>
+            <a:spLocks noGrp="1"/>
+          </p:cNvSpPr>
+          <p:nvPr>
+            <p:ph type="body" idx="1"/>
+          </p:nvPr>
+        </p:nvSpPr>
+        <p:spPr>
+          <a:xfrm>
+            <a:off x="5476874" y="1899770"/>
+            <a:ext cx="6105525" cy="3752487"/>
+          </a:xfrm>
+        </p:spPr>
+        <p:txBody>
+          <a:bodyPr vert="horz" lIns="91440" tIns="45720" rIns="91440" bIns="45720" rtlCol="0" anchor="b">
+            <a:noAutofit/>
+          </a:bodyPr>
+          <a:lstStyle/>
+          <a:p>
+            <a:pPr rtl="0"/>
+            <a:r>
+              <a:rPr lang="ru-RU" sz="1600" dirty="0"/>
+              <a:t>Все поставленные перед</a:t>
+            </a:r>
+            <a:r>
+              <a:rPr lang="en-US" sz="1600" dirty="0"/>
+              <a:t> </a:t>
+            </a:r>
+            <a:r>
+              <a:rPr lang="ru-RU" sz="1600" dirty="0"/>
+              <a:t>нами цели были выполнены. Полученные результаты проекта дают возможность утверждать, что продукт является актуальным и востребованным среди пользователей, стремящихся улучшить свои навыки </a:t>
+            </a:r>
+            <a:r>
+              <a:rPr lang="ru-RU" sz="1600" dirty="0" err="1"/>
+              <a:t>слепопечати</a:t>
+            </a:r>
+            <a:r>
+              <a:rPr lang="ru-RU" sz="1600" dirty="0"/>
+              <a:t>. Разработанное приложение эффективно поддерживает и улучшает навыки </a:t>
+            </a:r>
+            <a:r>
+              <a:rPr lang="ru-RU" sz="1600" dirty="0" err="1"/>
+              <a:t>слепопечати</a:t>
+            </a:r>
+            <a:r>
+              <a:rPr lang="ru-RU" sz="1600" dirty="0"/>
+              <a:t>, т.к. анализ эффективности приложения, основанный на данных исследования, показывает увеличение скорости печати у пользователей. В перспективе планируется расширение функционала приложения, добавление новых упражнений и адаптация под различные уровни пользователей. Таким образом, наш проект не только успешно решает проблему низкой скорости </a:t>
+            </a:r>
+            <a:r>
+              <a:rPr lang="ru-RU" sz="1600" dirty="0" err="1"/>
+              <a:t>слепопечати</a:t>
+            </a:r>
+            <a:r>
+              <a:rPr lang="ru-RU" sz="1600" dirty="0"/>
+              <a:t>, но и предоставляет базу для будущего развития и совершенствования в этой области.</a:t>
+            </a:r>
           </a:p>
         </p:txBody>
       </p:sp>
@@ -16947,7 +17018,7 @@
           <p:cNvPr id="4" name="Дата 3">
             <a:extLst>
               <a:ext uri="{FF2B5EF4-FFF2-40B4-BE49-F238E27FC236}">
-                <a16:creationId xmlns:a16="http://schemas.microsoft.com/office/drawing/2014/main" id="{7FDC0E0A-2715-4BF9-8659-0ED8629BA242}"/>
+                <a16:creationId xmlns:a16="http://schemas.microsoft.com/office/drawing/2014/main" id="{13F8C8B5-F6EC-489B-BD0F-CD89A73CAB3A}"/>
               </a:ext>
             </a:extLst>
           </p:cNvPr>
@@ -16976,7 +17047,7 @@
           <p:cNvPr id="5" name="Нижний колонтитул 4">
             <a:extLst>
               <a:ext uri="{FF2B5EF4-FFF2-40B4-BE49-F238E27FC236}">
-                <a16:creationId xmlns:a16="http://schemas.microsoft.com/office/drawing/2014/main" id="{20E75224-81EB-4CDA-BBBE-44B4B2F3C039}"/>
+                <a16:creationId xmlns:a16="http://schemas.microsoft.com/office/drawing/2014/main" id="{11AEA823-8519-4F9D-81FA-3673131076FC}"/>
               </a:ext>
             </a:extLst>
           </p:cNvPr>
@@ -16994,14 +17065,10 @@
           <a:p>
             <a:r>
               <a:rPr lang="en-US" sz="1200" dirty="0"/>
-              <a:t>Blind typing</a:t>
+              <a:t>Blind Typing</a:t>
             </a:r>
             <a:endParaRPr lang="ru-RU" sz="1200" dirty="0"/>
           </a:p>
-          <a:p>
-            <a:pPr rtl="0"/>
-            <a:endParaRPr lang="ru-RU" dirty="0"/>
-          </a:p>
         </p:txBody>
       </p:sp>
       <p:sp>
@@ -17009,7 +17076,7 @@
           <p:cNvPr id="6" name="Номер слайда 5">
             <a:extLst>
               <a:ext uri="{FF2B5EF4-FFF2-40B4-BE49-F238E27FC236}">
-                <a16:creationId xmlns:a16="http://schemas.microsoft.com/office/drawing/2014/main" id="{BA32F697-D1D4-4B0A-B960-D1869BF8607A}"/>
+                <a16:creationId xmlns:a16="http://schemas.microsoft.com/office/drawing/2014/main" id="{BAEFF51B-0E28-4171-AE7C-A31AAB42BC73}"/>
               </a:ext>
             </a:extLst>
           </p:cNvPr>
@@ -17038,7 +17105,7 @@
     </p:spTree>
     <p:extLst>
       <p:ext uri="{BB962C8B-B14F-4D97-AF65-F5344CB8AC3E}">
-        <p14:creationId xmlns:p14="http://schemas.microsoft.com/office/powerpoint/2010/main" val="1472106130"/>
+        <p14:creationId xmlns:p14="http://schemas.microsoft.com/office/powerpoint/2010/main" val="920173932"/>
       </p:ext>
     </p:extLst>
   </p:cSld>
@@ -17067,230 +17134,6 @@
       </p:grpSpPr>
       <p:sp>
         <p:nvSpPr>
-          <p:cNvPr id="2" name="Заголовок 1">
-            <a:extLst>
-              <a:ext uri="{FF2B5EF4-FFF2-40B4-BE49-F238E27FC236}">
-                <a16:creationId xmlns:a16="http://schemas.microsoft.com/office/drawing/2014/main" id="{38FFA191-5CCC-43CB-BD83-4F80ED362608}"/>
-              </a:ext>
-            </a:extLst>
-          </p:cNvPr>
-          <p:cNvSpPr>
-            <a:spLocks noGrp="1"/>
-          </p:cNvSpPr>
-          <p:nvPr>
-            <p:ph type="title"/>
-          </p:nvPr>
-        </p:nvSpPr>
-        <p:spPr>
-          <a:xfrm>
-            <a:off x="5476874" y="360217"/>
-            <a:ext cx="4987926" cy="835461"/>
-          </a:xfrm>
-        </p:spPr>
-        <p:txBody>
-          <a:bodyPr rtlCol="0">
-            <a:normAutofit/>
-          </a:bodyPr>
-          <a:lstStyle/>
-          <a:p>
-            <a:pPr rtl="0"/>
-            <a:r>
-              <a:rPr lang="ru-RU" sz="4000" dirty="0"/>
-              <a:t>Итоги</a:t>
-            </a:r>
-          </a:p>
-        </p:txBody>
-      </p:sp>
-      <p:sp>
-        <p:nvSpPr>
-          <p:cNvPr id="3" name="Объект 2">
-            <a:extLst>
-              <a:ext uri="{FF2B5EF4-FFF2-40B4-BE49-F238E27FC236}">
-                <a16:creationId xmlns:a16="http://schemas.microsoft.com/office/drawing/2014/main" id="{E14BBEAF-B516-45F4-9EF6-A9F65111580F}"/>
-              </a:ext>
-            </a:extLst>
-          </p:cNvPr>
-          <p:cNvSpPr>
-            <a:spLocks noGrp="1"/>
-          </p:cNvSpPr>
-          <p:nvPr>
-            <p:ph type="body" idx="1"/>
-          </p:nvPr>
-        </p:nvSpPr>
-        <p:spPr>
-          <a:xfrm>
-            <a:off x="5476874" y="1899770"/>
-            <a:ext cx="6105525" cy="3752487"/>
-          </a:xfrm>
-        </p:spPr>
-        <p:txBody>
-          <a:bodyPr vert="horz" lIns="91440" tIns="45720" rIns="91440" bIns="45720" rtlCol="0" anchor="b">
-            <a:noAutofit/>
-          </a:bodyPr>
-          <a:lstStyle/>
-          <a:p>
-            <a:pPr rtl="0"/>
-            <a:r>
-              <a:rPr lang="ru-RU" sz="1600" dirty="0"/>
-              <a:t>Все поставленные перед</a:t>
-            </a:r>
-            <a:r>
-              <a:rPr lang="en-US" sz="1600" dirty="0"/>
-              <a:t> </a:t>
-            </a:r>
-            <a:r>
-              <a:rPr lang="ru-RU" sz="1600" dirty="0"/>
-              <a:t>нами цели были выполнены. Полученные результаты проекта дают возможность утверждать, что продукт является актуальным и востребованным среди пользователей, стремящихся улучшить свои навыки </a:t>
-            </a:r>
-            <a:r>
-              <a:rPr lang="ru-RU" sz="1600" dirty="0" err="1"/>
-              <a:t>слепопечати</a:t>
-            </a:r>
-            <a:r>
-              <a:rPr lang="ru-RU" sz="1600" dirty="0"/>
-              <a:t>. Разработанное приложение эффективно поддерживает и улучшает навыки </a:t>
-            </a:r>
-            <a:r>
-              <a:rPr lang="ru-RU" sz="1600" dirty="0" err="1"/>
-              <a:t>слепопечати</a:t>
-            </a:r>
-            <a:r>
-              <a:rPr lang="ru-RU" sz="1600" dirty="0"/>
-              <a:t>, т.к. анализ эффективности приложения, основанный на данных исследования, показывает увеличение скорости печати у пользователей. В перспективе планируется расширение функционала приложения, добавление новых упражнений и адаптация под различные уровни пользователей. Таким образом, наш проект не только успешно решает проблему низкой скорости </a:t>
-            </a:r>
-            <a:r>
-              <a:rPr lang="ru-RU" sz="1600" dirty="0" err="1"/>
-              <a:t>слепопечати</a:t>
-            </a:r>
-            <a:r>
-              <a:rPr lang="ru-RU" sz="1600" dirty="0"/>
-              <a:t>, но и предоставляет базу для будущего развития и совершенствования в этой области.</a:t>
-            </a:r>
-          </a:p>
-        </p:txBody>
-      </p:sp>
-      <p:sp>
-        <p:nvSpPr>
-          <p:cNvPr id="4" name="Дата 3">
-            <a:extLst>
-              <a:ext uri="{FF2B5EF4-FFF2-40B4-BE49-F238E27FC236}">
-                <a16:creationId xmlns:a16="http://schemas.microsoft.com/office/drawing/2014/main" id="{13F8C8B5-F6EC-489B-BD0F-CD89A73CAB3A}"/>
-              </a:ext>
-            </a:extLst>
-          </p:cNvPr>
-          <p:cNvSpPr>
-            <a:spLocks noGrp="1"/>
-          </p:cNvSpPr>
-          <p:nvPr>
-            <p:ph type="dt" sz="half" idx="10"/>
-          </p:nvPr>
-        </p:nvSpPr>
-        <p:spPr/>
-        <p:txBody>
-          <a:bodyPr rtlCol="0"/>
-          <a:lstStyle/>
-          <a:p>
-            <a:pPr rtl="0"/>
-            <a:r>
-              <a:rPr lang="ru-RU" dirty="0"/>
-              <a:t>2023</a:t>
-            </a:r>
-          </a:p>
-        </p:txBody>
-      </p:sp>
-      <p:sp>
-        <p:nvSpPr>
-          <p:cNvPr id="5" name="Нижний колонтитул 4">
-            <a:extLst>
-              <a:ext uri="{FF2B5EF4-FFF2-40B4-BE49-F238E27FC236}">
-                <a16:creationId xmlns:a16="http://schemas.microsoft.com/office/drawing/2014/main" id="{11AEA823-8519-4F9D-81FA-3673131076FC}"/>
-              </a:ext>
-            </a:extLst>
-          </p:cNvPr>
-          <p:cNvSpPr>
-            <a:spLocks noGrp="1"/>
-          </p:cNvSpPr>
-          <p:nvPr>
-            <p:ph type="ftr" sz="quarter" idx="11"/>
-          </p:nvPr>
-        </p:nvSpPr>
-        <p:spPr/>
-        <p:txBody>
-          <a:bodyPr rtlCol="0"/>
-          <a:lstStyle/>
-          <a:p>
-            <a:pPr rtl="0"/>
-            <a:r>
-              <a:rPr lang="en-US" sz="1200" dirty="0"/>
-              <a:t>Blind typing</a:t>
-            </a:r>
-            <a:endParaRPr lang="ru-RU" sz="1200" dirty="0"/>
-          </a:p>
-        </p:txBody>
-      </p:sp>
-      <p:sp>
-        <p:nvSpPr>
-          <p:cNvPr id="6" name="Номер слайда 5">
-            <a:extLst>
-              <a:ext uri="{FF2B5EF4-FFF2-40B4-BE49-F238E27FC236}">
-                <a16:creationId xmlns:a16="http://schemas.microsoft.com/office/drawing/2014/main" id="{BAEFF51B-0E28-4171-AE7C-A31AAB42BC73}"/>
-              </a:ext>
-            </a:extLst>
-          </p:cNvPr>
-          <p:cNvSpPr>
-            <a:spLocks noGrp="1"/>
-          </p:cNvSpPr>
-          <p:nvPr>
-            <p:ph type="sldNum" sz="quarter" idx="12"/>
-          </p:nvPr>
-        </p:nvSpPr>
-        <p:spPr/>
-        <p:txBody>
-          <a:bodyPr rtlCol="0"/>
-          <a:lstStyle/>
-          <a:p>
-            <a:pPr rtl="0"/>
-            <a:fld id="{B5CEABB6-07DC-46E8-9B57-56EC44A396E5}" type="slidenum">
-              <a:rPr lang="ru-RU" smtClean="0"/>
-              <a:pPr rtl="0"/>
-              <a:t>12</a:t>
-            </a:fld>
-            <a:endParaRPr lang="ru-RU"/>
-          </a:p>
-        </p:txBody>
-      </p:sp>
-    </p:spTree>
-    <p:extLst>
-      <p:ext uri="{BB962C8B-B14F-4D97-AF65-F5344CB8AC3E}">
-        <p14:creationId xmlns:p14="http://schemas.microsoft.com/office/powerpoint/2010/main" val="920173932"/>
-      </p:ext>
-    </p:extLst>
-  </p:cSld>
-  <p:clrMapOvr>
-    <a:masterClrMapping/>
-  </p:clrMapOvr>
-</p:sld>
-</file>
-
-<file path=ppt/slides/slide13.xml><?xml version="1.0" encoding="utf-8"?>
-<p:sld xmlns:a="http://schemas.openxmlformats.org/drawingml/2006/main" xmlns:r="http://schemas.openxmlformats.org/officeDocument/2006/relationships" xmlns:p="http://schemas.openxmlformats.org/presentationml/2006/main">
-  <p:cSld>
-    <p:spTree>
-      <p:nvGrpSpPr>
-        <p:cNvPr id="1" name=""/>
-        <p:cNvGrpSpPr/>
-        <p:nvPr/>
-      </p:nvGrpSpPr>
-      <p:grpSpPr>
-        <a:xfrm>
-          <a:off x="0" y="0"/>
-          <a:ext cx="0" cy="0"/>
-          <a:chOff x="0" y="0"/>
-          <a:chExt cx="0" cy="0"/>
-        </a:xfrm>
-      </p:grpSpPr>
-      <p:sp>
-        <p:nvSpPr>
           <p:cNvPr id="14" name="Прямоугольник 13">
             <a:extLst>
               <a:ext uri="{FF2B5EF4-FFF2-40B4-BE49-F238E27FC236}">
@@ -17367,7 +17210,7 @@
             <a:pPr algn="ctr" rtl="0"/>
             <a:r>
               <a:rPr lang="ru-RU" dirty="0"/>
-              <a:t>СПАСИБО</a:t>
+              <a:t>Скачать приложение можете здесь</a:t>
             </a:r>
           </a:p>
         </p:txBody>
@@ -17432,12 +17275,10 @@
           <a:bodyPr rtlCol="0"/>
           <a:lstStyle/>
           <a:p>
-            <a:pPr rtl="0"/>
             <a:r>
               <a:rPr lang="en-US" sz="1200" dirty="0"/>
-              <a:t>Blind typing</a:t>
-            </a:r>
-            <a:endParaRPr lang="ru-RU" sz="1200" dirty="0"/>
+              <a:t>Blind Typing</a:t>
+            </a:r>
           </a:p>
         </p:txBody>
       </p:sp>
@@ -17466,7 +17307,7 @@
             <a:fld id="{B5CEABB6-07DC-46E8-9B57-56EC44A396E5}" type="slidenum">
               <a:rPr lang="ru-RU" smtClean="0"/>
               <a:pPr rtl="0"/>
-              <a:t>13</a:t>
+              <a:t>12</a:t>
             </a:fld>
             <a:endParaRPr lang="ru-RU"/>
           </a:p>
@@ -17474,49 +17315,32 @@
       </p:sp>
       <p:pic>
         <p:nvPicPr>
-          <p:cNvPr id="3078" name="Picture 6" descr="Barcode">
-            <a:extLst>
-              <a:ext uri="{FF2B5EF4-FFF2-40B4-BE49-F238E27FC236}">
-                <a16:creationId xmlns:a16="http://schemas.microsoft.com/office/drawing/2014/main" id="{1EE76ECE-70ED-426E-A616-95C1E1756153}"/>
+          <p:cNvPr id="10" name="Рисунок 9">
+            <a:extLst>
+              <a:ext uri="{FF2B5EF4-FFF2-40B4-BE49-F238E27FC236}">
+                <a16:creationId xmlns:a16="http://schemas.microsoft.com/office/drawing/2014/main" id="{512D3730-AD57-4B52-909C-A1968EC0D04C}"/>
               </a:ext>
             </a:extLst>
           </p:cNvPr>
           <p:cNvPicPr>
-            <a:picLocks noChangeAspect="1" noChangeArrowheads="1"/>
+            <a:picLocks noChangeAspect="1"/>
           </p:cNvPicPr>
           <p:nvPr/>
         </p:nvPicPr>
         <p:blipFill>
-          <a:blip r:embed="rId3">
-            <a:extLst>
-              <a:ext uri="{28A0092B-C50C-407E-A947-70E740481C1C}">
-                <a14:useLocalDpi xmlns:a14="http://schemas.microsoft.com/office/drawing/2010/main" val="0"/>
-              </a:ext>
-            </a:extLst>
-          </a:blip>
-          <a:srcRect/>
+          <a:blip r:embed="rId3"/>
           <a:stretch>
             <a:fillRect/>
           </a:stretch>
         </p:blipFill>
-        <p:spPr bwMode="auto">
-          <a:xfrm>
-            <a:off x="5163692" y="3106230"/>
-            <a:ext cx="1866900" cy="1866900"/>
+        <p:spPr>
+          <a:xfrm>
+            <a:off x="5096492" y="3040173"/>
+            <a:ext cx="1999014" cy="1999014"/>
           </a:xfrm>
           <a:prstGeom prst="rect">
             <a:avLst/>
           </a:prstGeom>
-          <a:noFill/>
-          <a:extLst>
-            <a:ext uri="{909E8E84-426E-40DD-AFC4-6F175D3DCCD1}">
-              <a14:hiddenFill xmlns:a14="http://schemas.microsoft.com/office/drawing/2010/main">
-                <a:solidFill>
-                  <a:srgbClr val="FFFFFF"/>
-                </a:solidFill>
-              </a14:hiddenFill>
-            </a:ext>
-          </a:extLst>
         </p:spPr>
       </p:pic>
     </p:spTree>
@@ -20357,7 +20181,7 @@
             <a:pPr rtl="0"/>
             <a:r>
               <a:rPr lang="en-US" sz="1200" dirty="0"/>
-              <a:t>Blind typing</a:t>
+              <a:t>Blind Typing</a:t>
             </a:r>
             <a:endParaRPr lang="ru-RU" sz="1200" dirty="0"/>
           </a:p>
@@ -20429,7 +20253,7 @@
           <p:cNvPr id="2" name="Заголовок 1">
             <a:extLst>
               <a:ext uri="{FF2B5EF4-FFF2-40B4-BE49-F238E27FC236}">
-                <a16:creationId xmlns:a16="http://schemas.microsoft.com/office/drawing/2014/main" id="{26E51C79-7ED8-4452-8ECA-137025DE72A3}"/>
+                <a16:creationId xmlns:a16="http://schemas.microsoft.com/office/drawing/2014/main" id="{8983D903-0734-40C6-A326-59CA91437F2E}"/>
               </a:ext>
             </a:extLst>
           </p:cNvPr>
@@ -20445,24 +20269,27 @@
           <a:bodyPr/>
           <a:lstStyle/>
           <a:p>
-            <a:endParaRPr lang="ru-RU"/>
-          </a:p>
-        </p:txBody>
-      </p:sp>
-      <p:sp>
-        <p:nvSpPr>
-          <p:cNvPr id="3" name="Объект 2">
-            <a:extLst>
-              <a:ext uri="{FF2B5EF4-FFF2-40B4-BE49-F238E27FC236}">
-                <a16:creationId xmlns:a16="http://schemas.microsoft.com/office/drawing/2014/main" id="{41482E68-3333-423E-A3AE-0F2DC8DBAAEF}"/>
-              </a:ext>
-            </a:extLst>
-          </p:cNvPr>
-          <p:cNvSpPr>
-            <a:spLocks noGrp="1"/>
-          </p:cNvSpPr>
-          <p:nvPr>
-            <p:ph idx="1"/>
+            <a:r>
+              <a:rPr lang="ru-RU" dirty="0"/>
+              <a:t>Результаты опроса</a:t>
+            </a:r>
+          </a:p>
+        </p:txBody>
+      </p:sp>
+      <p:sp>
+        <p:nvSpPr>
+          <p:cNvPr id="7" name="Дата 6">
+            <a:extLst>
+              <a:ext uri="{FF2B5EF4-FFF2-40B4-BE49-F238E27FC236}">
+                <a16:creationId xmlns:a16="http://schemas.microsoft.com/office/drawing/2014/main" id="{93090549-360F-4514-8663-668FE41AFF00}"/>
+              </a:ext>
+            </a:extLst>
+          </p:cNvPr>
+          <p:cNvSpPr>
+            <a:spLocks noGrp="1"/>
+          </p:cNvSpPr>
+          <p:nvPr>
+            <p:ph type="dt" sz="half" idx="10"/>
           </p:nvPr>
         </p:nvSpPr>
         <p:spPr/>
@@ -20470,24 +20297,32 @@
           <a:bodyPr/>
           <a:lstStyle/>
           <a:p>
-            <a:endParaRPr lang="ru-RU"/>
-          </a:p>
-        </p:txBody>
-      </p:sp>
-      <p:sp>
-        <p:nvSpPr>
-          <p:cNvPr id="4" name="Дата 3">
-            <a:extLst>
-              <a:ext uri="{FF2B5EF4-FFF2-40B4-BE49-F238E27FC236}">
-                <a16:creationId xmlns:a16="http://schemas.microsoft.com/office/drawing/2014/main" id="{7156EE50-81D5-4F0C-BE69-5489255094A3}"/>
-              </a:ext>
-            </a:extLst>
-          </p:cNvPr>
-          <p:cNvSpPr>
-            <a:spLocks noGrp="1"/>
-          </p:cNvSpPr>
-          <p:nvPr>
-            <p:ph type="dt" sz="half" idx="10"/>
+            <a:pPr rtl="0"/>
+            <a:r>
+              <a:rPr lang="ru-RU" noProof="0" dirty="0"/>
+              <a:t>2023</a:t>
+            </a:r>
+          </a:p>
+          <a:p>
+            <a:pPr rtl="0"/>
+            <a:endParaRPr lang="ru-RU" noProof="0" dirty="0"/>
+          </a:p>
+        </p:txBody>
+      </p:sp>
+      <p:sp>
+        <p:nvSpPr>
+          <p:cNvPr id="8" name="Нижний колонтитул 7">
+            <a:extLst>
+              <a:ext uri="{FF2B5EF4-FFF2-40B4-BE49-F238E27FC236}">
+                <a16:creationId xmlns:a16="http://schemas.microsoft.com/office/drawing/2014/main" id="{38379274-82CE-4DD9-81BE-5D2501D4F794}"/>
+              </a:ext>
+            </a:extLst>
+          </p:cNvPr>
+          <p:cNvSpPr>
+            <a:spLocks noGrp="1"/>
+          </p:cNvSpPr>
+          <p:nvPr>
+            <p:ph type="ftr" sz="quarter" idx="11"/>
           </p:nvPr>
         </p:nvSpPr>
         <p:spPr/>
@@ -20495,49 +20330,20 @@
           <a:bodyPr/>
           <a:lstStyle/>
           <a:p>
-            <a:pPr rtl="0"/>
-            <a:r>
-              <a:rPr lang="ru-RU" noProof="0"/>
-              <a:t>20XX</a:t>
-            </a:r>
-          </a:p>
-        </p:txBody>
-      </p:sp>
-      <p:sp>
-        <p:nvSpPr>
-          <p:cNvPr id="5" name="Нижний колонтитул 4">
-            <a:extLst>
-              <a:ext uri="{FF2B5EF4-FFF2-40B4-BE49-F238E27FC236}">
-                <a16:creationId xmlns:a16="http://schemas.microsoft.com/office/drawing/2014/main" id="{5F097EB4-4941-4EFB-81B3-80C63E12B4EA}"/>
-              </a:ext>
-            </a:extLst>
-          </p:cNvPr>
-          <p:cNvSpPr>
-            <a:spLocks noGrp="1"/>
-          </p:cNvSpPr>
-          <p:nvPr>
-            <p:ph type="ftr" sz="quarter" idx="11"/>
-          </p:nvPr>
-        </p:nvSpPr>
-        <p:spPr/>
-        <p:txBody>
-          <a:bodyPr/>
-          <a:lstStyle/>
-          <a:p>
-            <a:pPr rtl="0"/>
-            <a:r>
-              <a:rPr lang="ru-RU" noProof="0"/>
-              <a:t>Презентация</a:t>
-            </a:r>
-          </a:p>
-        </p:txBody>
-      </p:sp>
-      <p:sp>
-        <p:nvSpPr>
-          <p:cNvPr id="6" name="Номер слайда 5">
-            <a:extLst>
-              <a:ext uri="{FF2B5EF4-FFF2-40B4-BE49-F238E27FC236}">
-                <a16:creationId xmlns:a16="http://schemas.microsoft.com/office/drawing/2014/main" id="{FD2BD2C4-C4C3-47A4-8D89-E0721D348F6F}"/>
+            <a:r>
+              <a:rPr lang="en-US" sz="1200" dirty="0"/>
+              <a:t>Blind Typing</a:t>
+            </a:r>
+            <a:endParaRPr lang="ru-RU" sz="1200" dirty="0"/>
+          </a:p>
+        </p:txBody>
+      </p:sp>
+      <p:sp>
+        <p:nvSpPr>
+          <p:cNvPr id="9" name="Номер слайда 8">
+            <a:extLst>
+              <a:ext uri="{FF2B5EF4-FFF2-40B4-BE49-F238E27FC236}">
+                <a16:creationId xmlns:a16="http://schemas.microsoft.com/office/drawing/2014/main" id="{A98E6F65-2863-45BC-9587-19D78AFFA1AF}"/>
               </a:ext>
             </a:extLst>
           </p:cNvPr>
@@ -20562,156 +20368,6 @@
           </a:p>
         </p:txBody>
       </p:sp>
-    </p:spTree>
-    <p:extLst>
-      <p:ext uri="{BB962C8B-B14F-4D97-AF65-F5344CB8AC3E}">
-        <p14:creationId xmlns:p14="http://schemas.microsoft.com/office/powerpoint/2010/main" val="3690035698"/>
-      </p:ext>
-    </p:extLst>
-  </p:cSld>
-  <p:clrMapOvr>
-    <a:masterClrMapping/>
-  </p:clrMapOvr>
-</p:sld>
-</file>
-
-<file path=ppt/slides/slide9.xml><?xml version="1.0" encoding="utf-8"?>
-<p:sld xmlns:a="http://schemas.openxmlformats.org/drawingml/2006/main" xmlns:r="http://schemas.openxmlformats.org/officeDocument/2006/relationships" xmlns:p="http://schemas.openxmlformats.org/presentationml/2006/main">
-  <p:cSld>
-    <p:spTree>
-      <p:nvGrpSpPr>
-        <p:cNvPr id="1" name=""/>
-        <p:cNvGrpSpPr/>
-        <p:nvPr/>
-      </p:nvGrpSpPr>
-      <p:grpSpPr>
-        <a:xfrm>
-          <a:off x="0" y="0"/>
-          <a:ext cx="0" cy="0"/>
-          <a:chOff x="0" y="0"/>
-          <a:chExt cx="0" cy="0"/>
-        </a:xfrm>
-      </p:grpSpPr>
-      <p:sp>
-        <p:nvSpPr>
-          <p:cNvPr id="2" name="Заголовок 1">
-            <a:extLst>
-              <a:ext uri="{FF2B5EF4-FFF2-40B4-BE49-F238E27FC236}">
-                <a16:creationId xmlns:a16="http://schemas.microsoft.com/office/drawing/2014/main" id="{8983D903-0734-40C6-A326-59CA91437F2E}"/>
-              </a:ext>
-            </a:extLst>
-          </p:cNvPr>
-          <p:cNvSpPr>
-            <a:spLocks noGrp="1"/>
-          </p:cNvSpPr>
-          <p:nvPr>
-            <p:ph type="title"/>
-          </p:nvPr>
-        </p:nvSpPr>
-        <p:spPr/>
-        <p:txBody>
-          <a:bodyPr/>
-          <a:lstStyle/>
-          <a:p>
-            <a:r>
-              <a:rPr lang="ru-RU" dirty="0"/>
-              <a:t>Результаты опроса</a:t>
-            </a:r>
-          </a:p>
-        </p:txBody>
-      </p:sp>
-      <p:sp>
-        <p:nvSpPr>
-          <p:cNvPr id="7" name="Дата 6">
-            <a:extLst>
-              <a:ext uri="{FF2B5EF4-FFF2-40B4-BE49-F238E27FC236}">
-                <a16:creationId xmlns:a16="http://schemas.microsoft.com/office/drawing/2014/main" id="{93090549-360F-4514-8663-668FE41AFF00}"/>
-              </a:ext>
-            </a:extLst>
-          </p:cNvPr>
-          <p:cNvSpPr>
-            <a:spLocks noGrp="1"/>
-          </p:cNvSpPr>
-          <p:nvPr>
-            <p:ph type="dt" sz="half" idx="10"/>
-          </p:nvPr>
-        </p:nvSpPr>
-        <p:spPr/>
-        <p:txBody>
-          <a:bodyPr/>
-          <a:lstStyle/>
-          <a:p>
-            <a:pPr rtl="0"/>
-            <a:r>
-              <a:rPr lang="ru-RU" noProof="0" dirty="0"/>
-              <a:t>2023</a:t>
-            </a:r>
-          </a:p>
-          <a:p>
-            <a:pPr rtl="0"/>
-            <a:endParaRPr lang="ru-RU" noProof="0" dirty="0"/>
-          </a:p>
-        </p:txBody>
-      </p:sp>
-      <p:sp>
-        <p:nvSpPr>
-          <p:cNvPr id="8" name="Нижний колонтитул 7">
-            <a:extLst>
-              <a:ext uri="{FF2B5EF4-FFF2-40B4-BE49-F238E27FC236}">
-                <a16:creationId xmlns:a16="http://schemas.microsoft.com/office/drawing/2014/main" id="{38379274-82CE-4DD9-81BE-5D2501D4F794}"/>
-              </a:ext>
-            </a:extLst>
-          </p:cNvPr>
-          <p:cNvSpPr>
-            <a:spLocks noGrp="1"/>
-          </p:cNvSpPr>
-          <p:nvPr>
-            <p:ph type="ftr" sz="quarter" idx="11"/>
-          </p:nvPr>
-        </p:nvSpPr>
-        <p:spPr/>
-        <p:txBody>
-          <a:bodyPr/>
-          <a:lstStyle/>
-          <a:p>
-            <a:pPr rtl="0"/>
-            <a:r>
-              <a:rPr lang="ru-RU" sz="1200" noProof="0" dirty="0"/>
-              <a:t>Презентация</a:t>
-            </a:r>
-          </a:p>
-        </p:txBody>
-      </p:sp>
-      <p:sp>
-        <p:nvSpPr>
-          <p:cNvPr id="9" name="Номер слайда 8">
-            <a:extLst>
-              <a:ext uri="{FF2B5EF4-FFF2-40B4-BE49-F238E27FC236}">
-                <a16:creationId xmlns:a16="http://schemas.microsoft.com/office/drawing/2014/main" id="{A98E6F65-2863-45BC-9587-19D78AFFA1AF}"/>
-              </a:ext>
-            </a:extLst>
-          </p:cNvPr>
-          <p:cNvSpPr>
-            <a:spLocks noGrp="1"/>
-          </p:cNvSpPr>
-          <p:nvPr>
-            <p:ph type="sldNum" sz="quarter" idx="12"/>
-          </p:nvPr>
-        </p:nvSpPr>
-        <p:spPr/>
-        <p:txBody>
-          <a:bodyPr/>
-          <a:lstStyle/>
-          <a:p>
-            <a:pPr rtl="0"/>
-            <a:fld id="{B5CEABB6-07DC-46E8-9B57-56EC44A396E5}" type="slidenum">
-              <a:rPr lang="ru-RU" noProof="0" smtClean="0"/>
-              <a:t>9</a:t>
-            </a:fld>
-            <a:endParaRPr lang="ru-RU" noProof="0"/>
-          </a:p>
-        </p:txBody>
-      </p:sp>
       <p:graphicFrame>
         <p:nvGraphicFramePr>
           <p:cNvPr id="10" name="Таблица 9">
@@ -20727,14 +20383,14 @@
           <p:nvPr>
             <p:extLst>
               <p:ext uri="{D42A27DB-BD31-4B8C-83A1-F6EECF244321}">
-                <p14:modId xmlns:p14="http://schemas.microsoft.com/office/powerpoint/2010/main" val="711874450"/>
+                <p14:modId xmlns:p14="http://schemas.microsoft.com/office/powerpoint/2010/main" val="2771224720"/>
               </p:ext>
             </p:extLst>
           </p:nvPr>
         </p:nvGraphicFramePr>
         <p:xfrm>
           <a:off x="410688" y="3926554"/>
-          <a:ext cx="11370624" cy="1427413"/>
+          <a:ext cx="11512139" cy="1427413"/>
         </p:xfrm>
         <a:graphic>
           <a:graphicData uri="http://schemas.openxmlformats.org/drawingml/2006/table">
@@ -20743,56 +20399,56 @@
                 <a:tableStyleId>{5C22544A-7EE6-4342-B048-85BDC9FD1C3A}</a:tableStyleId>
               </a:tblPr>
               <a:tblGrid>
-                <a:gridCol w="1504416">
+                <a:gridCol w="1523140">
                   <a:extLst>
                     <a:ext uri="{9D8B030D-6E8A-4147-A177-3AD203B41FA5}">
                       <a16:colId xmlns:a16="http://schemas.microsoft.com/office/drawing/2014/main" val="1049422510"/>
                     </a:ext>
                   </a:extLst>
                 </a:gridCol>
-                <a:gridCol w="1600311">
+                <a:gridCol w="1620228">
                   <a:extLst>
                     <a:ext uri="{9D8B030D-6E8A-4147-A177-3AD203B41FA5}">
                       <a16:colId xmlns:a16="http://schemas.microsoft.com/office/drawing/2014/main" val="4094889679"/>
                     </a:ext>
                   </a:extLst>
                 </a:gridCol>
-                <a:gridCol w="1393129">
+                <a:gridCol w="1410467">
                   <a:extLst>
                     <a:ext uri="{9D8B030D-6E8A-4147-A177-3AD203B41FA5}">
                       <a16:colId xmlns:a16="http://schemas.microsoft.com/office/drawing/2014/main" val="1900527696"/>
                     </a:ext>
                   </a:extLst>
                 </a:gridCol>
-                <a:gridCol w="1686042">
+                <a:gridCol w="1707026">
                   <a:extLst>
                     <a:ext uri="{9D8B030D-6E8A-4147-A177-3AD203B41FA5}">
                       <a16:colId xmlns:a16="http://schemas.microsoft.com/office/drawing/2014/main" val="1088282419"/>
                     </a:ext>
                   </a:extLst>
                 </a:gridCol>
-                <a:gridCol w="1507437">
+                <a:gridCol w="1526198">
                   <a:extLst>
                     <a:ext uri="{9D8B030D-6E8A-4147-A177-3AD203B41FA5}">
                       <a16:colId xmlns:a16="http://schemas.microsoft.com/office/drawing/2014/main" val="3993294848"/>
                     </a:ext>
                   </a:extLst>
                 </a:gridCol>
-                <a:gridCol w="1571735">
+                <a:gridCol w="1591296">
                   <a:extLst>
                     <a:ext uri="{9D8B030D-6E8A-4147-A177-3AD203B41FA5}">
                       <a16:colId xmlns:a16="http://schemas.microsoft.com/office/drawing/2014/main" val="3761420054"/>
                     </a:ext>
                   </a:extLst>
                 </a:gridCol>
-                <a:gridCol w="967593">
+                <a:gridCol w="979635">
                   <a:extLst>
                     <a:ext uri="{9D8B030D-6E8A-4147-A177-3AD203B41FA5}">
                       <a16:colId xmlns:a16="http://schemas.microsoft.com/office/drawing/2014/main" val="1973915110"/>
                     </a:ext>
                   </a:extLst>
                 </a:gridCol>
-                <a:gridCol w="1139961">
+                <a:gridCol w="1154149">
                   <a:extLst>
                     <a:ext uri="{9D8B030D-6E8A-4147-A177-3AD203B41FA5}">
                       <a16:colId xmlns:a16="http://schemas.microsoft.com/office/drawing/2014/main" val="1096585804"/>
@@ -21372,6 +21028,161 @@
     <p:extLst>
       <p:ext uri="{BB962C8B-B14F-4D97-AF65-F5344CB8AC3E}">
         <p14:creationId xmlns:p14="http://schemas.microsoft.com/office/powerpoint/2010/main" val="2110789434"/>
+      </p:ext>
+    </p:extLst>
+  </p:cSld>
+  <p:clrMapOvr>
+    <a:masterClrMapping/>
+  </p:clrMapOvr>
+</p:sld>
+</file>
+
+<file path=ppt/slides/slide9.xml><?xml version="1.0" encoding="utf-8"?>
+<p:sld xmlns:a="http://schemas.openxmlformats.org/drawingml/2006/main" xmlns:r="http://schemas.openxmlformats.org/officeDocument/2006/relationships" xmlns:p="http://schemas.openxmlformats.org/presentationml/2006/main">
+  <p:cSld>
+    <p:spTree>
+      <p:nvGrpSpPr>
+        <p:cNvPr id="1" name=""/>
+        <p:cNvGrpSpPr/>
+        <p:nvPr/>
+      </p:nvGrpSpPr>
+      <p:grpSpPr>
+        <a:xfrm>
+          <a:off x="0" y="0"/>
+          <a:ext cx="0" cy="0"/>
+          <a:chOff x="0" y="0"/>
+          <a:chExt cx="0" cy="0"/>
+        </a:xfrm>
+      </p:grpSpPr>
+      <p:sp>
+        <p:nvSpPr>
+          <p:cNvPr id="7" name="Заголовок 6">
+            <a:extLst>
+              <a:ext uri="{FF2B5EF4-FFF2-40B4-BE49-F238E27FC236}">
+                <a16:creationId xmlns:a16="http://schemas.microsoft.com/office/drawing/2014/main" id="{7CA3060D-29C1-448F-95A2-8AEFB51F7986}"/>
+              </a:ext>
+            </a:extLst>
+          </p:cNvPr>
+          <p:cNvSpPr>
+            <a:spLocks noGrp="1"/>
+          </p:cNvSpPr>
+          <p:nvPr>
+            <p:ph type="title"/>
+          </p:nvPr>
+        </p:nvSpPr>
+        <p:spPr>
+          <a:xfrm>
+            <a:off x="1333500" y="2442945"/>
+            <a:ext cx="3464132" cy="1325563"/>
+          </a:xfrm>
+        </p:spPr>
+        <p:txBody>
+          <a:bodyPr/>
+          <a:lstStyle/>
+          <a:p>
+            <a:r>
+              <a:rPr lang="ru-RU" dirty="0"/>
+              <a:t>Демонстрация проекта</a:t>
+            </a:r>
+          </a:p>
+        </p:txBody>
+      </p:sp>
+      <p:sp>
+        <p:nvSpPr>
+          <p:cNvPr id="4" name="Дата 3">
+            <a:extLst>
+              <a:ext uri="{FF2B5EF4-FFF2-40B4-BE49-F238E27FC236}">
+                <a16:creationId xmlns:a16="http://schemas.microsoft.com/office/drawing/2014/main" id="{B741A826-2748-47DF-860A-D985B5D29A23}"/>
+              </a:ext>
+            </a:extLst>
+          </p:cNvPr>
+          <p:cNvSpPr>
+            <a:spLocks noGrp="1"/>
+          </p:cNvSpPr>
+          <p:nvPr>
+            <p:ph type="dt" sz="half" idx="10"/>
+          </p:nvPr>
+        </p:nvSpPr>
+        <p:spPr/>
+        <p:txBody>
+          <a:bodyPr/>
+          <a:lstStyle/>
+          <a:p>
+            <a:pPr rtl="0"/>
+            <a:r>
+              <a:rPr lang="ru-RU" noProof="0" dirty="0"/>
+              <a:t>2023</a:t>
+            </a:r>
+          </a:p>
+        </p:txBody>
+      </p:sp>
+      <p:sp>
+        <p:nvSpPr>
+          <p:cNvPr id="5" name="Нижний колонтитул 4">
+            <a:extLst>
+              <a:ext uri="{FF2B5EF4-FFF2-40B4-BE49-F238E27FC236}">
+                <a16:creationId xmlns:a16="http://schemas.microsoft.com/office/drawing/2014/main" id="{1EDD1BB9-1018-4C92-BBEA-75CF2AC164BE}"/>
+              </a:ext>
+            </a:extLst>
+          </p:cNvPr>
+          <p:cNvSpPr>
+            <a:spLocks noGrp="1"/>
+          </p:cNvSpPr>
+          <p:nvPr>
+            <p:ph type="ftr" sz="quarter" idx="11"/>
+          </p:nvPr>
+        </p:nvSpPr>
+        <p:spPr/>
+        <p:txBody>
+          <a:bodyPr/>
+          <a:lstStyle/>
+          <a:p>
+            <a:r>
+              <a:rPr lang="en-US" sz="1200" dirty="0"/>
+              <a:t>Blind Typing</a:t>
+            </a:r>
+            <a:endParaRPr lang="ru-RU" sz="1200" dirty="0"/>
+          </a:p>
+          <a:p>
+            <a:pPr rtl="0"/>
+            <a:endParaRPr lang="ru-RU" noProof="0" dirty="0"/>
+          </a:p>
+        </p:txBody>
+      </p:sp>
+      <p:sp>
+        <p:nvSpPr>
+          <p:cNvPr id="6" name="Номер слайда 5">
+            <a:extLst>
+              <a:ext uri="{FF2B5EF4-FFF2-40B4-BE49-F238E27FC236}">
+                <a16:creationId xmlns:a16="http://schemas.microsoft.com/office/drawing/2014/main" id="{72FC67B9-D6EE-4949-A33D-5E745FB996AD}"/>
+              </a:ext>
+            </a:extLst>
+          </p:cNvPr>
+          <p:cNvSpPr>
+            <a:spLocks noGrp="1"/>
+          </p:cNvSpPr>
+          <p:nvPr>
+            <p:ph type="sldNum" sz="quarter" idx="12"/>
+          </p:nvPr>
+        </p:nvSpPr>
+        <p:spPr/>
+        <p:txBody>
+          <a:bodyPr/>
+          <a:lstStyle/>
+          <a:p>
+            <a:pPr rtl="0"/>
+            <a:fld id="{B5CEABB6-07DC-46E8-9B57-56EC44A396E5}" type="slidenum">
+              <a:rPr lang="ru-RU" noProof="0" smtClean="0"/>
+              <a:t>9</a:t>
+            </a:fld>
+            <a:endParaRPr lang="ru-RU" noProof="0"/>
+          </a:p>
+        </p:txBody>
+      </p:sp>
+    </p:spTree>
+    <p:extLst>
+      <p:ext uri="{BB962C8B-B14F-4D97-AF65-F5344CB8AC3E}">
+        <p14:creationId xmlns:p14="http://schemas.microsoft.com/office/powerpoint/2010/main" val="2347108774"/>
       </p:ext>
     </p:extLst>
   </p:cSld>
@@ -22192,6 +22003,15 @@
 </file>
 
 <file path=customXml/item2.xml><?xml version="1.0" encoding="utf-8"?>
+<?mso-contentType ?>
+<FormTemplates xmlns="http://schemas.microsoft.com/sharepoint/v3/contenttype/forms">
+  <Display>DocumentLibraryForm</Display>
+  <Edit>DocumentLibraryForm</Edit>
+  <New>DocumentLibraryForm</New>
+</FormTemplates>
+</file>
+
+<file path=customXml/item3.xml><?xml version="1.0" encoding="utf-8"?>
 <ct:contentTypeSchema xmlns:ct="http://schemas.microsoft.com/office/2006/metadata/contentType" xmlns:ma="http://schemas.microsoft.com/office/2006/metadata/properties/metaAttributes" ct:_="" ma:_="" ma:contentTypeName="Document" ma:contentTypeID="0x01010079F111ED35F8CC479449609E8A0923A6" ma:contentTypeVersion="20" ma:contentTypeDescription="Create a new document." ma:contentTypeScope="" ma:versionID="1267097ee5f5874adfcc408041ae252e">
   <xsd:schema xmlns:xsd="http://www.w3.org/2001/XMLSchema" xmlns:xs="http://www.w3.org/2001/XMLSchema" xmlns:p="http://schemas.microsoft.com/office/2006/metadata/properties" xmlns:ns1="http://schemas.microsoft.com/sharepoint/v3" xmlns:ns2="71af3243-3dd4-4a8d-8c0d-dd76da1f02a5" xmlns:ns3="16c05727-aa75-4e4a-9b5f-8a80a1165891" xmlns:ns4="230e9df3-be65-4c73-a93b-d1236ebd677e" targetNamespace="http://schemas.microsoft.com/office/2006/metadata/properties" ma:root="true" ma:fieldsID="395891a93df65b14727750f2c06c306c" ns1:_="" ns2:_="" ns3:_="" ns4:_="">
     <xsd:import namespace="http://schemas.microsoft.com/sharepoint/v3"/>
@@ -22467,15 +22287,6 @@
 </ct:contentTypeSchema>
 </file>
 
-<file path=customXml/item3.xml><?xml version="1.0" encoding="utf-8"?>
-<?mso-contentType ?>
-<FormTemplates xmlns="http://schemas.microsoft.com/sharepoint/v3/contenttype/forms">
-  <Display>DocumentLibraryForm</Display>
-  <Edit>DocumentLibraryForm</Edit>
-  <New>DocumentLibraryForm</New>
-</FormTemplates>
-</file>
-
 <file path=customXml/itemProps1.xml><?xml version="1.0" encoding="utf-8"?>
 <ds:datastoreItem xmlns:ds="http://schemas.openxmlformats.org/officeDocument/2006/customXml" ds:itemID="{B5BA3906-9696-4247-AC0D-DD5C26B2A70A}">
   <ds:schemaRefs>
@@ -22489,6 +22300,14 @@
 </file>
 
 <file path=customXml/itemProps2.xml><?xml version="1.0" encoding="utf-8"?>
+<ds:datastoreItem xmlns:ds="http://schemas.openxmlformats.org/officeDocument/2006/customXml" ds:itemID="{2D446390-8521-40A2-A462-EA068123BED9}">
+  <ds:schemaRefs>
+    <ds:schemaRef ds:uri="http://schemas.microsoft.com/sharepoint/v3/contenttype/forms"/>
+  </ds:schemaRefs>
+</ds:datastoreItem>
+</file>
+
+<file path=customXml/itemProps3.xml><?xml version="1.0" encoding="utf-8"?>
 <ds:datastoreItem xmlns:ds="http://schemas.openxmlformats.org/officeDocument/2006/customXml" ds:itemID="{01E84A1C-2814-43A7-9448-348326113A45}">
   <ds:schemaRefs>
     <ds:schemaRef ds:uri="http://schemas.microsoft.com/office/2006/metadata/contentType"/>
@@ -22509,14 +22328,6 @@
 </ds:datastoreItem>
 </file>
 
-<file path=customXml/itemProps3.xml><?xml version="1.0" encoding="utf-8"?>
-<ds:datastoreItem xmlns:ds="http://schemas.openxmlformats.org/officeDocument/2006/customXml" ds:itemID="{2D446390-8521-40A2-A462-EA068123BED9}">
-  <ds:schemaRefs>
-    <ds:schemaRef ds:uri="http://schemas.microsoft.com/sharepoint/v3/contenttype/forms"/>
-  </ds:schemaRefs>
-</ds:datastoreItem>
-</file>
-
 <file path=docMetadata/LabelInfo.xml><?xml version="1.0" encoding="utf-8"?>
 <clbl:labelList xmlns:clbl="http://schemas.microsoft.com/office/2020/mipLabelMetadata">
   <clbl:label id="{f42aa342-8706-4288-bd11-ebb85995028c}" enabled="1" method="Standard" siteId="{72f988bf-86f1-41af-91ab-2d7cd011db47}" removed="0"/>
